--- a/unacademy.pptx
+++ b/unacademy.pptx
@@ -107,6 +107,11 @@
       </a:defRPr>
     </a:lvl9pPr>
   </p:defaultTextStyle>
+  <p:extLst>
+    <p:ext uri="{EFAFB233-063F-42B5-8137-9DF3F51BA10A}">
+      <p15:sldGuideLst xmlns:p15="http://schemas.microsoft.com/office/powerpoint/2012/main"/>
+    </p:ext>
+  </p:extLst>
 </p:presentation>
 </file>
 
@@ -259,7 +264,7 @@
           <a:p>
             <a:fld id="{6EABAAD9-4236-4A8F-AA40-4900707824CD}" type="datetimeFigureOut">
               <a:rPr lang="en-IN" smtClean="0"/>
-              <a:t>08-06-2020</a:t>
+              <a:t>24-09-2020</a:t>
             </a:fld>
             <a:endParaRPr lang="en-IN"/>
           </a:p>
@@ -459,7 +464,7 @@
           <a:p>
             <a:fld id="{6EABAAD9-4236-4A8F-AA40-4900707824CD}" type="datetimeFigureOut">
               <a:rPr lang="en-IN" smtClean="0"/>
-              <a:t>08-06-2020</a:t>
+              <a:t>24-09-2020</a:t>
             </a:fld>
             <a:endParaRPr lang="en-IN"/>
           </a:p>
@@ -669,7 +674,7 @@
           <a:p>
             <a:fld id="{6EABAAD9-4236-4A8F-AA40-4900707824CD}" type="datetimeFigureOut">
               <a:rPr lang="en-IN" smtClean="0"/>
-              <a:t>08-06-2020</a:t>
+              <a:t>24-09-2020</a:t>
             </a:fld>
             <a:endParaRPr lang="en-IN"/>
           </a:p>
@@ -869,7 +874,7 @@
           <a:p>
             <a:fld id="{6EABAAD9-4236-4A8F-AA40-4900707824CD}" type="datetimeFigureOut">
               <a:rPr lang="en-IN" smtClean="0"/>
-              <a:t>08-06-2020</a:t>
+              <a:t>24-09-2020</a:t>
             </a:fld>
             <a:endParaRPr lang="en-IN"/>
           </a:p>
@@ -1145,7 +1150,7 @@
           <a:p>
             <a:fld id="{6EABAAD9-4236-4A8F-AA40-4900707824CD}" type="datetimeFigureOut">
               <a:rPr lang="en-IN" smtClean="0"/>
-              <a:t>08-06-2020</a:t>
+              <a:t>24-09-2020</a:t>
             </a:fld>
             <a:endParaRPr lang="en-IN"/>
           </a:p>
@@ -1413,7 +1418,7 @@
           <a:p>
             <a:fld id="{6EABAAD9-4236-4A8F-AA40-4900707824CD}" type="datetimeFigureOut">
               <a:rPr lang="en-IN" smtClean="0"/>
-              <a:t>08-06-2020</a:t>
+              <a:t>24-09-2020</a:t>
             </a:fld>
             <a:endParaRPr lang="en-IN"/>
           </a:p>
@@ -1828,7 +1833,7 @@
           <a:p>
             <a:fld id="{6EABAAD9-4236-4A8F-AA40-4900707824CD}" type="datetimeFigureOut">
               <a:rPr lang="en-IN" smtClean="0"/>
-              <a:t>08-06-2020</a:t>
+              <a:t>24-09-2020</a:t>
             </a:fld>
             <a:endParaRPr lang="en-IN"/>
           </a:p>
@@ -1970,7 +1975,7 @@
           <a:p>
             <a:fld id="{6EABAAD9-4236-4A8F-AA40-4900707824CD}" type="datetimeFigureOut">
               <a:rPr lang="en-IN" smtClean="0"/>
-              <a:t>08-06-2020</a:t>
+              <a:t>24-09-2020</a:t>
             </a:fld>
             <a:endParaRPr lang="en-IN"/>
           </a:p>
@@ -2083,7 +2088,7 @@
           <a:p>
             <a:fld id="{6EABAAD9-4236-4A8F-AA40-4900707824CD}" type="datetimeFigureOut">
               <a:rPr lang="en-IN" smtClean="0"/>
-              <a:t>08-06-2020</a:t>
+              <a:t>24-09-2020</a:t>
             </a:fld>
             <a:endParaRPr lang="en-IN"/>
           </a:p>
@@ -2396,7 +2401,7 @@
           <a:p>
             <a:fld id="{6EABAAD9-4236-4A8F-AA40-4900707824CD}" type="datetimeFigureOut">
               <a:rPr lang="en-IN" smtClean="0"/>
-              <a:t>08-06-2020</a:t>
+              <a:t>24-09-2020</a:t>
             </a:fld>
             <a:endParaRPr lang="en-IN"/>
           </a:p>
@@ -2685,7 +2690,7 @@
           <a:p>
             <a:fld id="{6EABAAD9-4236-4A8F-AA40-4900707824CD}" type="datetimeFigureOut">
               <a:rPr lang="en-IN" smtClean="0"/>
-              <a:t>08-06-2020</a:t>
+              <a:t>24-09-2020</a:t>
             </a:fld>
             <a:endParaRPr lang="en-IN"/>
           </a:p>
@@ -2928,7 +2933,7 @@
           <a:p>
             <a:fld id="{6EABAAD9-4236-4A8F-AA40-4900707824CD}" type="datetimeFigureOut">
               <a:rPr lang="en-IN" smtClean="0"/>
-              <a:t>08-06-2020</a:t>
+              <a:t>24-09-2020</a:t>
             </a:fld>
             <a:endParaRPr lang="en-IN"/>
           </a:p>
@@ -3404,8 +3409,8 @@
         </p:nvSpPr>
         <p:spPr>
           <a:xfrm>
-            <a:off x="203104" y="1508444"/>
-            <a:ext cx="5211748" cy="523220"/>
+            <a:off x="175469" y="1508444"/>
+            <a:ext cx="5267019" cy="523220"/>
           </a:xfrm>
           <a:prstGeom prst="rect">
             <a:avLst/>
@@ -3433,7 +3438,23 @@
                   </a:outerShdw>
                 </a:effectLst>
               </a:rPr>
-              <a:t>Metal and a n-type semiconductor</a:t>
+              <a:t>Metal and a </a:t>
+            </a:r>
+            <a:r>
+              <a:rPr lang="en-US" sz="2800">
+                <a:ln w="0"/>
+                <a:solidFill>
+                  <a:srgbClr val="FF0000"/>
+                </a:solidFill>
+                <a:effectLst>
+                  <a:outerShdw blurRad="38100" dist="19050" dir="2700000" algn="tl" rotWithShape="0">
+                    <a:schemeClr val="dk1">
+                      <a:alpha val="40000"/>
+                    </a:schemeClr>
+                  </a:outerShdw>
+                </a:effectLst>
+              </a:rPr>
+              <a:t>n-type semiconductor.</a:t>
             </a:r>
             <a:endParaRPr lang="en-US" sz="2800" b="0" cap="none" spc="0" dirty="0">
               <a:ln w="0"/>

--- a/unacademy.pptx
+++ b/unacademy.pptx
@@ -3409,8 +3409,8 @@
         </p:nvSpPr>
         <p:spPr>
           <a:xfrm>
-            <a:off x="175469" y="1508444"/>
-            <a:ext cx="5267019" cy="523220"/>
+            <a:off x="89965" y="1508444"/>
+            <a:ext cx="5438027" cy="523220"/>
           </a:xfrm>
           <a:prstGeom prst="rect">
             <a:avLst/>
@@ -3454,7 +3454,7 @@
                   </a:outerShdw>
                 </a:effectLst>
               </a:rPr>
-              <a:t>n-type semiconductor.</a:t>
+              <a:t>n-type semiconductors.</a:t>
             </a:r>
             <a:endParaRPr lang="en-US" sz="2800" b="0" cap="none" spc="0" dirty="0">
               <a:ln w="0"/>
